--- a/2024年/周报20240927.pptx
+++ b/2024年/周报20240927.pptx
@@ -4145,7 +4145,7 @@
         </p:nvSpPr>
         <p:spPr>
           <a:xfrm>
-            <a:off x="532765" y="340995"/>
+            <a:off x="532765" y="243840"/>
             <a:ext cx="11090275" cy="891540"/>
           </a:xfrm>
           <a:prstGeom prst="rect">
@@ -4637,7 +4637,7 @@
 <file path=ppt/tags/tag5.xml><?xml version="1.0" encoding="utf-8"?>
 <p:tagLst xmlns:p="http://schemas.openxmlformats.org/presentationml/2006/main">
   <p:tag name="COMMONDATA" val="eyJoZGlkIjoiOWRhYTQ4MWJhYTY5NDkxMzUyNjRmODllNWQxOTAzMTUifQ=="/>
-  <p:tag name="commondata" val="eyJoZGlkIjoiNjE5MjU3NWUyOWRhOGEyMzVlYjdhNzRhNTZhZGVkZmMifQ=="/>
+  <p:tag name="commondata" val="eyJoZGlkIjoiMTZjYmNhNTQwZDE4ZWFjZTE1NDFkZTAwOGVlYjRkN2IifQ=="/>
 </p:tagLst>
 </file>
 
